--- a/Materials/12-ranking.pptx
+++ b/Materials/12-ranking.pptx
@@ -223,7 +223,7 @@
           <a:p>
             <a:fld id="{6B9A202F-4299-479C-B15E-F143261314E2}" type="datetimeFigureOut">
               <a:rPr lang="ru-RU" smtClean="0"/>
-              <a:t>08.05.2025</a:t>
+              <a:t>09.05.2025</a:t>
             </a:fld>
             <a:endParaRPr lang="ru-RU"/>
           </a:p>
@@ -703,7 +703,7 @@
           <a:p>
             <a:fld id="{32C0110C-44BF-413A-8FA8-51FBC9510905}" type="datetimeFigureOut">
               <a:rPr lang="ru-RU" smtClean="0"/>
-              <a:t>08.05.2025</a:t>
+              <a:t>09.05.2025</a:t>
             </a:fld>
             <a:endParaRPr lang="ru-RU"/>
           </a:p>
@@ -871,7 +871,7 @@
           <a:p>
             <a:fld id="{32C0110C-44BF-413A-8FA8-51FBC9510905}" type="datetimeFigureOut">
               <a:rPr lang="ru-RU" smtClean="0"/>
-              <a:t>08.05.2025</a:t>
+              <a:t>09.05.2025</a:t>
             </a:fld>
             <a:endParaRPr lang="ru-RU"/>
           </a:p>
@@ -1049,7 +1049,7 @@
           <a:p>
             <a:fld id="{32C0110C-44BF-413A-8FA8-51FBC9510905}" type="datetimeFigureOut">
               <a:rPr lang="ru-RU" smtClean="0"/>
-              <a:t>08.05.2025</a:t>
+              <a:t>09.05.2025</a:t>
             </a:fld>
             <a:endParaRPr lang="ru-RU"/>
           </a:p>
@@ -1217,7 +1217,7 @@
           <a:p>
             <a:fld id="{32C0110C-44BF-413A-8FA8-51FBC9510905}" type="datetimeFigureOut">
               <a:rPr lang="ru-RU" smtClean="0"/>
-              <a:t>08.05.2025</a:t>
+              <a:t>09.05.2025</a:t>
             </a:fld>
             <a:endParaRPr lang="ru-RU"/>
           </a:p>
@@ -1462,7 +1462,7 @@
           <a:p>
             <a:fld id="{32C0110C-44BF-413A-8FA8-51FBC9510905}" type="datetimeFigureOut">
               <a:rPr lang="ru-RU" smtClean="0"/>
-              <a:t>08.05.2025</a:t>
+              <a:t>09.05.2025</a:t>
             </a:fld>
             <a:endParaRPr lang="ru-RU"/>
           </a:p>
@@ -1691,7 +1691,7 @@
           <a:p>
             <a:fld id="{32C0110C-44BF-413A-8FA8-51FBC9510905}" type="datetimeFigureOut">
               <a:rPr lang="ru-RU" smtClean="0"/>
-              <a:t>08.05.2025</a:t>
+              <a:t>09.05.2025</a:t>
             </a:fld>
             <a:endParaRPr lang="ru-RU"/>
           </a:p>
@@ -2055,7 +2055,7 @@
           <a:p>
             <a:fld id="{32C0110C-44BF-413A-8FA8-51FBC9510905}" type="datetimeFigureOut">
               <a:rPr lang="ru-RU" smtClean="0"/>
-              <a:t>08.05.2025</a:t>
+              <a:t>09.05.2025</a:t>
             </a:fld>
             <a:endParaRPr lang="ru-RU"/>
           </a:p>
@@ -2172,7 +2172,7 @@
           <a:p>
             <a:fld id="{32C0110C-44BF-413A-8FA8-51FBC9510905}" type="datetimeFigureOut">
               <a:rPr lang="ru-RU" smtClean="0"/>
-              <a:t>08.05.2025</a:t>
+              <a:t>09.05.2025</a:t>
             </a:fld>
             <a:endParaRPr lang="ru-RU"/>
           </a:p>
@@ -2267,7 +2267,7 @@
           <a:p>
             <a:fld id="{32C0110C-44BF-413A-8FA8-51FBC9510905}" type="datetimeFigureOut">
               <a:rPr lang="ru-RU" smtClean="0"/>
-              <a:t>08.05.2025</a:t>
+              <a:t>09.05.2025</a:t>
             </a:fld>
             <a:endParaRPr lang="ru-RU"/>
           </a:p>
@@ -2542,7 +2542,7 @@
           <a:p>
             <a:fld id="{32C0110C-44BF-413A-8FA8-51FBC9510905}" type="datetimeFigureOut">
               <a:rPr lang="ru-RU" smtClean="0"/>
-              <a:t>08.05.2025</a:t>
+              <a:t>09.05.2025</a:t>
             </a:fld>
             <a:endParaRPr lang="ru-RU"/>
           </a:p>
@@ -2794,7 +2794,7 @@
           <a:p>
             <a:fld id="{32C0110C-44BF-413A-8FA8-51FBC9510905}" type="datetimeFigureOut">
               <a:rPr lang="ru-RU" smtClean="0"/>
-              <a:t>08.05.2025</a:t>
+              <a:t>09.05.2025</a:t>
             </a:fld>
             <a:endParaRPr lang="ru-RU"/>
           </a:p>
@@ -3005,7 +3005,7 @@
           <a:p>
             <a:fld id="{32C0110C-44BF-413A-8FA8-51FBC9510905}" type="datetimeFigureOut">
               <a:rPr lang="ru-RU" smtClean="0"/>
-              <a:t>08.05.2025</a:t>
+              <a:t>09.05.2025</a:t>
             </a:fld>
             <a:endParaRPr lang="ru-RU"/>
           </a:p>
@@ -7399,12 +7399,56 @@
           </a:prstGeom>
         </p:spPr>
       </p:pic>
+      <p:sp>
+        <p:nvSpPr>
+          <p:cNvPr id="16" name="TextBox 15">
+            <a:extLst>
+              <a:ext uri="{FF2B5EF4-FFF2-40B4-BE49-F238E27FC236}">
+                <a16:creationId xmlns:a16="http://schemas.microsoft.com/office/drawing/2014/main" id="{D6887FAC-B9CF-1E1E-4027-FF1147CC140B}"/>
+              </a:ext>
+            </a:extLst>
+          </p:cNvPr>
+          <p:cNvSpPr txBox="1"/>
+          <p:nvPr/>
+        </p:nvSpPr>
+        <p:spPr>
+          <a:xfrm>
+            <a:off x="894904" y="1592773"/>
+            <a:ext cx="3946451" cy="523220"/>
+          </a:xfrm>
+          <a:prstGeom prst="rect">
+            <a:avLst/>
+          </a:prstGeom>
+          <a:noFill/>
+        </p:spPr>
+        <p:txBody>
+          <a:bodyPr wrap="square" rtlCol="0">
+            <a:spAutoFit/>
+          </a:bodyPr>
+          <a:lstStyle/>
+          <a:p>
+            <a:r>
+              <a:rPr lang="en-US" sz="2800" dirty="0"/>
+              <a:t>Weighted </a:t>
+            </a:r>
+            <a:r>
+              <a:rPr lang="en-US" sz="2800" dirty="0" err="1"/>
+              <a:t>RankNet</a:t>
+            </a:r>
+            <a:r>
+              <a:rPr lang="en-US" sz="2800" dirty="0"/>
+              <a:t> loss:</a:t>
+            </a:r>
+            <a:endParaRPr lang="ru-RU" sz="2800" dirty="0"/>
+          </a:p>
+        </p:txBody>
+      </p:sp>
       <p:pic>
         <p:nvPicPr>
-          <p:cNvPr id="15" name="Рисунок 14">
-            <a:extLst>
-              <a:ext uri="{FF2B5EF4-FFF2-40B4-BE49-F238E27FC236}">
-                <a16:creationId xmlns:a16="http://schemas.microsoft.com/office/drawing/2014/main" id="{638EC379-DD53-AEBF-7325-76267E5C1A23}"/>
+          <p:cNvPr id="4" name="Рисунок 3">
+            <a:extLst>
+              <a:ext uri="{FF2B5EF4-FFF2-40B4-BE49-F238E27FC236}">
+                <a16:creationId xmlns:a16="http://schemas.microsoft.com/office/drawing/2014/main" id="{57E560E9-BF24-24EB-F5CE-B250A6BCFBD9}"/>
               </a:ext>
             </a:extLst>
           </p:cNvPr>
@@ -7427,58 +7471,14 @@
         </p:blipFill>
         <p:spPr>
           <a:xfrm>
-            <a:off x="9156523" y="1570160"/>
-            <a:ext cx="2558401" cy="797423"/>
+            <a:off x="8819870" y="1688166"/>
+            <a:ext cx="3077172" cy="438343"/>
           </a:xfrm>
           <a:prstGeom prst="rect">
             <a:avLst/>
           </a:prstGeom>
         </p:spPr>
       </p:pic>
-      <p:sp>
-        <p:nvSpPr>
-          <p:cNvPr id="16" name="TextBox 15">
-            <a:extLst>
-              <a:ext uri="{FF2B5EF4-FFF2-40B4-BE49-F238E27FC236}">
-                <a16:creationId xmlns:a16="http://schemas.microsoft.com/office/drawing/2014/main" id="{D6887FAC-B9CF-1E1E-4027-FF1147CC140B}"/>
-              </a:ext>
-            </a:extLst>
-          </p:cNvPr>
-          <p:cNvSpPr txBox="1"/>
-          <p:nvPr/>
-        </p:nvSpPr>
-        <p:spPr>
-          <a:xfrm>
-            <a:off x="894904" y="1592773"/>
-            <a:ext cx="3946451" cy="523220"/>
-          </a:xfrm>
-          <a:prstGeom prst="rect">
-            <a:avLst/>
-          </a:prstGeom>
-          <a:noFill/>
-        </p:spPr>
-        <p:txBody>
-          <a:bodyPr wrap="square" rtlCol="0">
-            <a:spAutoFit/>
-          </a:bodyPr>
-          <a:lstStyle/>
-          <a:p>
-            <a:r>
-              <a:rPr lang="en-US" sz="2800" dirty="0"/>
-              <a:t>Weighted </a:t>
-            </a:r>
-            <a:r>
-              <a:rPr lang="en-US" sz="2800" dirty="0" err="1"/>
-              <a:t>RankNet</a:t>
-            </a:r>
-            <a:r>
-              <a:rPr lang="en-US" sz="2800" dirty="0"/>
-              <a:t> loss:</a:t>
-            </a:r>
-            <a:endParaRPr lang="ru-RU" sz="2800" dirty="0"/>
-          </a:p>
-        </p:txBody>
-      </p:sp>
     </p:spTree>
     <p:extLst>
       <p:ext uri="{BB962C8B-B14F-4D97-AF65-F5344CB8AC3E}">
